--- a/src/main/java/com/java/z_exam/dead_lock/什么情况下java程序会产生死锁.pptx
+++ b/src/main/java/com/java/z_exam/dead_lock/什么情况下java程序会产生死锁.pptx
@@ -2361,7 +2361,7 @@
         <a:spcBef>
           <a:spcPts val="1000"/>
         </a:spcBef>
-        <a:buFont typeface="Arial" panose="020B0604020202020204" pitchFamily="34" charset="0"/>
+        <a:buFont typeface="Arial" panose="020B0604020202090204" pitchFamily="34" charset="0"/>
         <a:buChar char="•"/>
         <a:defRPr sz="2800" kern="1200">
           <a:solidFill>
@@ -2379,7 +2379,7 @@
         <a:spcBef>
           <a:spcPts val="500"/>
         </a:spcBef>
-        <a:buFont typeface="Arial" panose="020B0604020202020204" pitchFamily="34" charset="0"/>
+        <a:buFont typeface="Arial" panose="020B0604020202090204" pitchFamily="34" charset="0"/>
         <a:buChar char="•"/>
         <a:defRPr sz="2400" kern="1200">
           <a:solidFill>
@@ -2397,7 +2397,7 @@
         <a:spcBef>
           <a:spcPts val="500"/>
         </a:spcBef>
-        <a:buFont typeface="Arial" panose="020B0604020202020204" pitchFamily="34" charset="0"/>
+        <a:buFont typeface="Arial" panose="020B0604020202090204" pitchFamily="34" charset="0"/>
         <a:buChar char="•"/>
         <a:defRPr sz="2000" kern="1200">
           <a:solidFill>
@@ -2415,7 +2415,7 @@
         <a:spcBef>
           <a:spcPts val="500"/>
         </a:spcBef>
-        <a:buFont typeface="Arial" panose="020B0604020202020204" pitchFamily="34" charset="0"/>
+        <a:buFont typeface="Arial" panose="020B0604020202090204" pitchFamily="34" charset="0"/>
         <a:buChar char="•"/>
         <a:defRPr sz="1800" kern="1200">
           <a:solidFill>
@@ -2433,7 +2433,7 @@
         <a:spcBef>
           <a:spcPts val="500"/>
         </a:spcBef>
-        <a:buFont typeface="Arial" panose="020B0604020202020204" pitchFamily="34" charset="0"/>
+        <a:buFont typeface="Arial" panose="020B0604020202090204" pitchFamily="34" charset="0"/>
         <a:buChar char="•"/>
         <a:defRPr sz="1800" kern="1200">
           <a:solidFill>
@@ -2451,7 +2451,7 @@
         <a:spcBef>
           <a:spcPts val="500"/>
         </a:spcBef>
-        <a:buFont typeface="Arial" panose="020B0604020202020204" pitchFamily="34" charset="0"/>
+        <a:buFont typeface="Arial" panose="020B0604020202090204" pitchFamily="34" charset="0"/>
         <a:buChar char="•"/>
         <a:defRPr sz="1800" kern="1200">
           <a:solidFill>
@@ -2469,7 +2469,7 @@
         <a:spcBef>
           <a:spcPts val="500"/>
         </a:spcBef>
-        <a:buFont typeface="Arial" panose="020B0604020202020204" pitchFamily="34" charset="0"/>
+        <a:buFont typeface="Arial" panose="020B0604020202090204" pitchFamily="34" charset="0"/>
         <a:buChar char="•"/>
         <a:defRPr sz="1800" kern="1200">
           <a:solidFill>
@@ -2487,7 +2487,7 @@
         <a:spcBef>
           <a:spcPts val="500"/>
         </a:spcBef>
-        <a:buFont typeface="Arial" panose="020B0604020202020204" pitchFamily="34" charset="0"/>
+        <a:buFont typeface="Arial" panose="020B0604020202090204" pitchFamily="34" charset="0"/>
         <a:buChar char="•"/>
         <a:defRPr sz="1800" kern="1200">
           <a:solidFill>
@@ -2505,7 +2505,7 @@
         <a:spcBef>
           <a:spcPts val="500"/>
         </a:spcBef>
-        <a:buFont typeface="Arial" panose="020B0604020202020204" pitchFamily="34" charset="0"/>
+        <a:buFont typeface="Arial" panose="020B0604020202090204" pitchFamily="34" charset="0"/>
         <a:buChar char="•"/>
         <a:defRPr sz="1800" kern="1200">
           <a:solidFill>
@@ -4463,7 +4463,7 @@
           </a:p>
           <a:p>
             <a:pPr marL="285750" indent="-285750">
-              <a:buFont typeface="Arial" panose="020B0604020202020204" pitchFamily="34" charset="0"/>
+              <a:buFont typeface="Arial" panose="020B0604020202090204" pitchFamily="34" charset="0"/>
               <a:buChar char="•"/>
             </a:pPr>
             <a:r>
@@ -4474,14 +4474,14 @@
           </a:p>
           <a:p>
             <a:pPr marL="285750" indent="-285750">
-              <a:buFont typeface="Arial" panose="020B0604020202020204" pitchFamily="34" charset="0"/>
+              <a:buFont typeface="Arial" panose="020B0604020202090204" pitchFamily="34" charset="0"/>
               <a:buChar char="•"/>
             </a:pPr>
             <a:endParaRPr lang="zh-CN" altLang="en-US" b="1"/>
           </a:p>
           <a:p>
             <a:pPr marL="285750" indent="-285750">
-              <a:buFont typeface="Arial" panose="020B0604020202020204" pitchFamily="34" charset="0"/>
+              <a:buFont typeface="Arial" panose="020B0604020202090204" pitchFamily="34" charset="0"/>
               <a:buChar char="•"/>
             </a:pPr>
             <a:r>
@@ -6738,7 +6738,7 @@
           </a:p>
           <a:p>
             <a:pPr marL="285750" indent="-285750">
-              <a:buFont typeface="Arial" panose="020B0604020202020204" pitchFamily="34" charset="0"/>
+              <a:buFont typeface="Arial" panose="020B0604020202090204" pitchFamily="34" charset="0"/>
               <a:buChar char="•"/>
             </a:pPr>
             <a:r>
@@ -6755,7 +6755,7 @@
           </a:p>
           <a:p>
             <a:pPr marL="285750" indent="-285750">
-              <a:buFont typeface="Arial" panose="020B0604020202020204" pitchFamily="34" charset="0"/>
+              <a:buFont typeface="Arial" panose="020B0604020202090204" pitchFamily="34" charset="0"/>
               <a:buChar char="•"/>
             </a:pPr>
             <a:endParaRPr lang="zh-CN" altLang="en-US" b="1">
@@ -6765,7 +6765,7 @@
           </a:p>
           <a:p>
             <a:pPr marL="285750" indent="-285750">
-              <a:buFont typeface="Arial" panose="020B0604020202020204" pitchFamily="34" charset="0"/>
+              <a:buFont typeface="Arial" panose="020B0604020202090204" pitchFamily="34" charset="0"/>
               <a:buChar char="•"/>
             </a:pPr>
             <a:r>
